--- a/lab-freshmen/AI/0407.Towards_Scalable_Analytics_with_Inference-Enabled_Solid-State_Drives/Towards Scalable_20230407_Daehan.Lee.pptx
+++ b/lab-freshmen/AI/0407.Towards_Scalable_Analytics_with_Inference-Enabled_Solid-State_Drives/Towards Scalable_20230407_Daehan.Lee.pptx
@@ -12692,7 +12692,7 @@
               <a:rPr lang="en-US" altLang="ko-KR" dirty="0">
                 <a:latin typeface="Calibri Bold"/>
               </a:rPr>
-              <a:t>Images are loaded from NAND flash during the image loading step</a:t>
+              <a:t>Images are loaded from NAND flash during the image loading step.</a:t>
             </a:r>
           </a:p>
           <a:p>
@@ -13104,7 +13104,7 @@
               <a:rPr lang="en-US" altLang="ko-KR" dirty="0">
                 <a:latin typeface="Calibri Bold"/>
               </a:rPr>
-              <a:t>CPU runs image preprocessing module to optimize data for CNN accelerators</a:t>
+              <a:t>CPU runs image preprocessing module to optimize data for CNN accelerators.</a:t>
             </a:r>
           </a:p>
           <a:p>
@@ -13511,22 +13511,8 @@
               <a:rPr lang="en-US" altLang="ko-KR" dirty="0">
                 <a:latin typeface="Calibri Bold"/>
               </a:rPr>
-              <a:t>Image tags inferred by CNN using accelerators. (e.g. FPGA)</a:t>
-            </a:r>
-          </a:p>
-          <a:p>
-            <a:pPr marL="0" indent="0">
-              <a:buNone/>
-            </a:pPr>
-            <a:endParaRPr lang="en-US" altLang="en-US" dirty="0">
-              <a:latin typeface="Calibri Bold"/>
-            </a:endParaRPr>
-          </a:p>
-          <a:p>
-            <a:pPr>
-              <a:buFont typeface="Wingdings 2"/>
-              <a:buChar char="¢"/>
-            </a:pPr>
+              <a:t>Image tags inferred by CNN using accelerators (e.g. FPGA). </a:t>
+            </a:r>
             <a:endParaRPr lang="en-US" altLang="en-US" dirty="0">
               <a:latin typeface="Calibri Bold"/>
             </a:endParaRPr>
@@ -14610,7 +14596,7 @@
               <a:rPr lang="en-US" altLang="en-US" dirty="0">
                 <a:latin typeface="Calibri Bold"/>
               </a:rPr>
-              <a:t>(1) Preprocessing and CNN pipeline (2) HW/SW partitioning (3) Host offloading</a:t>
+              <a:t>(1) Preprocessing and CNN pipeline (2) HW/SW partitioning (3) Host offloading.</a:t>
             </a:r>
           </a:p>
           <a:p>
@@ -14903,7 +14889,7 @@
               <a:rPr lang="en-US" altLang="en-US" dirty="0">
                 <a:latin typeface="Calibri Bold"/>
               </a:rPr>
-              <a:t>IESSD improves the preprocessing speed in a cost-efficient two way</a:t>
+              <a:t>IESSD improves the preprocessing speed in a cost-efficient two way.</a:t>
             </a:r>
           </a:p>
           <a:p>
@@ -14916,7 +14902,7 @@
               <a:rPr lang="en-US" altLang="en-US" dirty="0">
                 <a:latin typeface="Calibri Bold"/>
               </a:rPr>
-              <a:t>(1) Taking advantage of multicore CPUs and (2) Performing the preprocessing and CNN tasks in a pipelined manner</a:t>
+              <a:t>(1) Taking advantage of multicore CPUs and (2) Performing the preprocessing and CNN tasks in a pipelined manner.</a:t>
             </a:r>
           </a:p>
           <a:p>
@@ -14929,7 +14915,7 @@
               <a:rPr lang="en-US" altLang="en-US" dirty="0">
                 <a:latin typeface="Calibri Bold"/>
               </a:rPr>
-              <a:t>IESSD reads images from NAND and distributes them across multiple cores to do in parallel</a:t>
+              <a:t>IESSD reads images from NAND and distributes them across multiple cores to do in parallel.</a:t>
             </a:r>
           </a:p>
           <a:p>
@@ -14942,7 +14928,7 @@
               <a:rPr lang="en-US" altLang="en-US" dirty="0">
                 <a:latin typeface="Calibri Bold"/>
               </a:rPr>
-              <a:t>Pipelined execution enables us to improve inference throughput by hiding the shorter task behind the longer one</a:t>
+              <a:t>Pipelined execution enables us to improve inference throughput by hiding the shorter task behind the longer one.</a:t>
             </a:r>
           </a:p>
           <a:p>
@@ -15228,7 +15214,7 @@
               <a:rPr lang="en-US" altLang="en-US" dirty="0">
                 <a:latin typeface="Calibri Bold"/>
               </a:rPr>
-              <a:t>CONV layer is a computation-bound task and FC layer involves many accesses to DRAM .</a:t>
+              <a:t>CONV layer is a computation-bound task and FC layer involves many accesses to DRAM.</a:t>
             </a:r>
           </a:p>
           <a:p>
@@ -15508,7 +15494,7 @@
               <a:rPr lang="en-US" altLang="en-US" dirty="0">
                 <a:latin typeface="Calibri Bold"/>
               </a:rPr>
-              <a:t>A deep FC layer is inefficient on both FPGA and ARM CPUs, potentially becoming the main bottleneck</a:t>
+              <a:t>A deep FC layer is inefficient on both FPGA and ARM CPUs, potentially becoming the main bottleneck.</a:t>
             </a:r>
           </a:p>
           <a:p>
@@ -15521,7 +15507,7 @@
               <a:rPr lang="en-US" altLang="en-US" dirty="0">
                 <a:latin typeface="Calibri Bold"/>
               </a:rPr>
-              <a:t>To address this, IESSD offloads and run it on a host side where a more powerful accelerator (e.g. GPU) is available</a:t>
+              <a:t>To address this, IESSD offloads and run it on a host side where a more powerful accelerator (e.g. GPU) is available.</a:t>
             </a:r>
           </a:p>
           <a:p>
@@ -15537,7 +15523,7 @@
               <a:rPr lang="en-US" altLang="en-US" dirty="0">
                 <a:latin typeface="Calibri Bold"/>
               </a:rPr>
-              <a:t>The amount of data that has to be transferred to the FC layer is small enough and FC operations are lighter than the entire inference process</a:t>
+              <a:t>The amount of data that has to be transferred to the FC layer is small enough and FC operations are lighter than the entire inference process.</a:t>
             </a:r>
           </a:p>
           <a:p>
@@ -16413,7 +16399,7 @@
               <a:rPr lang="en-US" altLang="en-US" dirty="0">
                 <a:latin typeface="Calibri Bold"/>
               </a:rPr>
-              <a:t>Two aspects of evaluation in IESSD (1) stand-alone IESSD (2) aggregate performance when many IESSDs were grouped together</a:t>
+              <a:t>Two aspects of evaluation in IESSD (1) stand-alone IESSD (2) aggregate performance when many IESSDs were grouped together.</a:t>
             </a:r>
           </a:p>
           <a:p>
@@ -16426,7 +16412,7 @@
               <a:rPr lang="en-US" altLang="en-US" dirty="0">
                 <a:latin typeface="Calibri Bold"/>
               </a:rPr>
-              <a:t>Xilinx’s ZCU102 which has a quad-core ARM Cortex-A53 CPU running 1.4 GHz and 4GB DRAM with custom flash card</a:t>
+              <a:t>Xilinx’s ZCU102 which has a quad-core ARM Cortex-A53 CPU running 1.4 GHz and 4GB DRAM with custom flash card.</a:t>
             </a:r>
           </a:p>
           <a:p>
@@ -16439,7 +16425,7 @@
               <a:rPr lang="en-US" altLang="en-US" dirty="0">
                 <a:latin typeface="Calibri Bold"/>
               </a:rPr>
-              <a:t>ILSVRC2012 were used as a benchmark</a:t>
+              <a:t>ILSVRC2012 were used as a benchmark.</a:t>
             </a:r>
           </a:p>
           <a:p>
@@ -18181,7 +18167,7 @@
               <a:rPr lang="en-US" altLang="en-US" dirty="0">
                 <a:latin typeface="Calibri Bold"/>
               </a:rPr>
-              <a:t>Compared two types of storage server, typical SSDs and the other with IESSDs</a:t>
+              <a:t>Compared two types of storage server, typical SSDs and the other with IESSDs.</a:t>
             </a:r>
           </a:p>
           <a:p>
@@ -18540,7 +18526,7 @@
               <a:rPr lang="en-US" altLang="en-US" dirty="0">
                 <a:latin typeface="Calibri Bold"/>
               </a:rPr>
-              <a:t>, Due to network bottleneck, fail to supply enough data</a:t>
+              <a:t>, Due to network bottleneck, fail to supply enough data.</a:t>
             </a:r>
           </a:p>
           <a:p>
@@ -18548,7 +18534,7 @@
               <a:rPr lang="en-US" altLang="en-US" dirty="0">
                 <a:latin typeface="Calibri Bold"/>
               </a:rPr>
-              <a:t>IESSD exhibited scalable performance with more IESSDs</a:t>
+              <a:t>IESSD exhibited scalable performance with more IESSDs.</a:t>
             </a:r>
           </a:p>
           <a:p>
@@ -19533,7 +19519,7 @@
               <a:rPr lang="en-US" altLang="en-US" dirty="0">
                 <a:latin typeface="Calibri Bold"/>
               </a:rPr>
-              <a:t> consume 93.63W and 143.33W, respectively</a:t>
+              <a:t> consume 93.63W and 143.33W, respectively.</a:t>
             </a:r>
           </a:p>
           <a:p>
@@ -19566,9 +19552,12 @@
               </a:rPr>
               <a:t>GoogleNet</a:t>
             </a:r>
-            <a:endParaRPr lang="en-US" altLang="en-US" dirty="0">
-              <a:latin typeface="Calibri Bold"/>
-            </a:endParaRPr>
+            <a:r>
+              <a:rPr lang="en-US" altLang="en-US" dirty="0">
+                <a:latin typeface="Calibri Bold"/>
+              </a:rPr>
+              <a:t>.</a:t>
+            </a:r>
           </a:p>
           <a:p>
             <a:pPr lvl="1"/>
@@ -19581,7 +19570,7 @@
               <a:rPr lang="en-US" altLang="en-US" dirty="0">
                 <a:latin typeface="Calibri Bold"/>
               </a:rPr>
-              <a:t>It is estimated that IESSD consumes 1.78X and 5.31X less power than 8 GPUs at the cross points</a:t>
+              <a:t>It is estimated that IESSD consumes 1.78X and 5.31X less power than 8 GPUs at the cross points.</a:t>
             </a:r>
           </a:p>
           <a:p>
@@ -19610,9 +19599,12 @@
               </a:rPr>
               <a:t>GoogleNet</a:t>
             </a:r>
-            <a:endParaRPr lang="en-US" altLang="en-US" dirty="0">
-              <a:latin typeface="Calibri Bold"/>
-            </a:endParaRPr>
+            <a:r>
+              <a:rPr lang="en-US" altLang="en-US" dirty="0">
+                <a:latin typeface="Calibri Bold"/>
+              </a:rPr>
+              <a:t>.</a:t>
+            </a:r>
           </a:p>
           <a:p>
             <a:pPr>
@@ -20129,8 +20121,17 @@
               <a:rPr lang="en-US" altLang="en-US" dirty="0">
                 <a:latin typeface="Calibri Bold"/>
               </a:rPr>
-              <a:t>IESSD outperformed the existing GPU-based AI acceleration system, achieving up to 5.31X power savings</a:t>
-            </a:r>
+              <a:t>IESSD outperformed the existing GPU-based AI acceleration system, achieving up to 5.31X </a:t>
+            </a:r>
+            <a:r>
+              <a:rPr lang="en-US" altLang="en-US">
+                <a:latin typeface="Calibri Bold"/>
+              </a:rPr>
+              <a:t>power savings.</a:t>
+            </a:r>
+            <a:endParaRPr lang="en-US" altLang="en-US" dirty="0">
+              <a:latin typeface="Calibri Bold"/>
+            </a:endParaRPr>
           </a:p>
           <a:p>
             <a:endParaRPr lang="en-US" altLang="en-US" dirty="0">
@@ -20381,7 +20382,7 @@
               <a:rPr lang="en-US" altLang="en-US" dirty="0">
                 <a:latin typeface="Calibri Bold"/>
               </a:rPr>
-              <a:t>DNNs have gained significant attention lately due to their ability to deliver excellent outcomes for challenging problems</a:t>
+              <a:t>DNNs have gained significant attention lately due to their ability to deliver excellent outcomes for challenging problems.</a:t>
             </a:r>
           </a:p>
           <a:p>
@@ -20394,7 +20395,7 @@
               <a:rPr lang="en-US" altLang="en-US" dirty="0">
                 <a:latin typeface="Calibri Bold"/>
               </a:rPr>
-              <a:t>DNNs used to have high computational overhead, but AI accelerators have alleviated this problem</a:t>
+              <a:t>DNNs used to have high computational overhead, but AI accelerators have alleviated this problem.</a:t>
             </a:r>
           </a:p>
           <a:p>
@@ -20949,7 +20950,7 @@
               <a:rPr lang="en-US" altLang="en-US" dirty="0">
                 <a:latin typeface="Calibri Bold"/>
               </a:rPr>
-              <a:t>IESSD improves DNN analytics performance by using inference accelerators inside an SSD to reduce data movements between applications and storage</a:t>
+              <a:t>IESSD improves DNN analytics performance by using inference accelerators inside an SSD to reduce data movements between applications and storage.</a:t>
             </a:r>
           </a:p>
           <a:p>
@@ -21284,7 +21285,7 @@
               <a:rPr lang="en-US" altLang="en-US" dirty="0">
                 <a:latin typeface="Calibri Bold"/>
               </a:rPr>
-              <a:t>The overall design of IESSD is similar to that of an enterprise class SSD, handling conventional I/O commands in same way as a typical SSD</a:t>
+              <a:t>The overall design of IESSD is similar to that of an enterprise class SSD, handling conventional I/O commands in same way as a typical SSD.</a:t>
             </a:r>
           </a:p>
           <a:p>
@@ -21650,7 +21651,7 @@
               <a:rPr lang="en-US" altLang="ko-KR" dirty="0">
                 <a:latin typeface="Calibri Bold"/>
               </a:rPr>
-              <a:t>Application servers may use GPU to accelerate service logics</a:t>
+              <a:t>Application servers may use GPU to accelerate service logics.</a:t>
             </a:r>
           </a:p>
           <a:p>
@@ -22064,7 +22065,7 @@
               <a:rPr lang="en-US" altLang="ko-KR" dirty="0">
                 <a:latin typeface="Calibri Bold"/>
               </a:rPr>
-              <a:t>A storage server is like a container of a set of SSDs which are connected to application servers via high-speed connections like iSCSI, PCIe, and Ethernet</a:t>
+              <a:t>A storage server is like a container of a set of SSDs which are connected to application servers via high-speed connections like iSCSI, PCIe, and Ethernet.</a:t>
             </a:r>
           </a:p>
           <a:p>
@@ -22437,17 +22438,8 @@
               <a:rPr lang="en-US" altLang="en-US" dirty="0">
                 <a:latin typeface="Calibri Bold"/>
               </a:rPr>
-              <a:t>Image tagging system is composed of two main phases, (1) tagging (2) indexing, which involve only a few I/O </a:t>
-            </a:r>
-            <a:r>
-              <a:rPr lang="en-US" altLang="en-US" dirty="0" err="1">
-                <a:latin typeface="Calibri Bold"/>
-              </a:rPr>
-              <a:t>trafiic</a:t>
-            </a:r>
-            <a:endParaRPr lang="en-US" altLang="en-US" dirty="0">
-              <a:latin typeface="Calibri Bold"/>
-            </a:endParaRPr>
+              <a:t>Image tagging system is composed of two main phases, (1) tagging (2) indexing, which involve only a few I/O traffic.</a:t>
+            </a:r>
           </a:p>
           <a:p>
             <a:endParaRPr lang="en-US" altLang="ko-KR" dirty="0">
@@ -22463,7 +22455,7 @@
               <a:rPr lang="en-US" altLang="ko-KR" dirty="0">
                 <a:latin typeface="Calibri Bold"/>
               </a:rPr>
-              <a:t>After updating existing DNN models, re-tagging process is needed to generate accurate tags for previously stored images</a:t>
+              <a:t>After updating existing DNN models, re-tagging process is needed to generate accurate tags for previously stored images.</a:t>
             </a:r>
           </a:p>
           <a:p>
@@ -22484,7 +22476,7 @@
               <a:rPr lang="en-US" altLang="ko-KR" dirty="0">
                 <a:latin typeface="Calibri Bold"/>
               </a:rPr>
-              <a:t>This process issues many reads to storage servers, creating a large volume of network traffic between SSDs and application servers</a:t>
+              <a:t>This process issues many reads to storage servers, creating a large volume of network traffic between SSDs and application servers.</a:t>
             </a:r>
           </a:p>
           <a:p>
@@ -22505,7 +22497,7 @@
               <a:rPr lang="en-US" altLang="ko-KR" dirty="0">
                 <a:latin typeface="Calibri Bold"/>
               </a:rPr>
-              <a:t>With IESSD, almost all of the network traffic is removed, But IESSD’s throughput is much lower than expectation</a:t>
+              <a:t>With IESSD, almost all of the network traffic is removed, But IESSD’s throughput is much lower than expectation.</a:t>
             </a:r>
           </a:p>
           <a:p>
